--- a/SLI-AL/Workshop 2/Workshop2.pptx
+++ b/SLI-AL/Workshop 2/Workshop2.pptx
@@ -1884,7 +1884,7 @@
           <a:p>
             <a:fld id="{81442F5B-7348-4CA5-9BDD-09E1E6844899}" type="datetimeFigureOut">
               <a:rPr lang="da-DK" smtClean="0"/>
-              <a:t>06-06-2022</a:t>
+              <a:t>08-06-2022</a:t>
             </a:fld>
             <a:endParaRPr lang="da-DK"/>
           </a:p>
@@ -2082,7 +2082,7 @@
           <a:p>
             <a:fld id="{81442F5B-7348-4CA5-9BDD-09E1E6844899}" type="datetimeFigureOut">
               <a:rPr lang="da-DK" smtClean="0"/>
-              <a:t>06-06-2022</a:t>
+              <a:t>08-06-2022</a:t>
             </a:fld>
             <a:endParaRPr lang="da-DK"/>
           </a:p>
@@ -2290,7 +2290,7 @@
           <a:p>
             <a:fld id="{81442F5B-7348-4CA5-9BDD-09E1E6844899}" type="datetimeFigureOut">
               <a:rPr lang="da-DK" smtClean="0"/>
-              <a:t>06-06-2022</a:t>
+              <a:t>08-06-2022</a:t>
             </a:fld>
             <a:endParaRPr lang="da-DK"/>
           </a:p>
@@ -2488,7 +2488,7 @@
           <a:p>
             <a:fld id="{81442F5B-7348-4CA5-9BDD-09E1E6844899}" type="datetimeFigureOut">
               <a:rPr lang="da-DK" smtClean="0"/>
-              <a:t>06-06-2022</a:t>
+              <a:t>08-06-2022</a:t>
             </a:fld>
             <a:endParaRPr lang="da-DK"/>
           </a:p>
@@ -2763,7 +2763,7 @@
           <a:p>
             <a:fld id="{81442F5B-7348-4CA5-9BDD-09E1E6844899}" type="datetimeFigureOut">
               <a:rPr lang="da-DK" smtClean="0"/>
-              <a:t>06-06-2022</a:t>
+              <a:t>08-06-2022</a:t>
             </a:fld>
             <a:endParaRPr lang="da-DK"/>
           </a:p>
@@ -3028,7 +3028,7 @@
           <a:p>
             <a:fld id="{81442F5B-7348-4CA5-9BDD-09E1E6844899}" type="datetimeFigureOut">
               <a:rPr lang="da-DK" smtClean="0"/>
-              <a:t>06-06-2022</a:t>
+              <a:t>08-06-2022</a:t>
             </a:fld>
             <a:endParaRPr lang="da-DK"/>
           </a:p>
@@ -3440,7 +3440,7 @@
           <a:p>
             <a:fld id="{81442F5B-7348-4CA5-9BDD-09E1E6844899}" type="datetimeFigureOut">
               <a:rPr lang="da-DK" smtClean="0"/>
-              <a:t>06-06-2022</a:t>
+              <a:t>08-06-2022</a:t>
             </a:fld>
             <a:endParaRPr lang="da-DK"/>
           </a:p>
@@ -3581,7 +3581,7 @@
           <a:p>
             <a:fld id="{81442F5B-7348-4CA5-9BDD-09E1E6844899}" type="datetimeFigureOut">
               <a:rPr lang="da-DK" smtClean="0"/>
-              <a:t>06-06-2022</a:t>
+              <a:t>08-06-2022</a:t>
             </a:fld>
             <a:endParaRPr lang="da-DK"/>
           </a:p>
@@ -3694,7 +3694,7 @@
           <a:p>
             <a:fld id="{81442F5B-7348-4CA5-9BDD-09E1E6844899}" type="datetimeFigureOut">
               <a:rPr lang="da-DK" smtClean="0"/>
-              <a:t>06-06-2022</a:t>
+              <a:t>08-06-2022</a:t>
             </a:fld>
             <a:endParaRPr lang="da-DK"/>
           </a:p>
@@ -4005,7 +4005,7 @@
           <a:p>
             <a:fld id="{81442F5B-7348-4CA5-9BDD-09E1E6844899}" type="datetimeFigureOut">
               <a:rPr lang="da-DK" smtClean="0"/>
-              <a:t>06-06-2022</a:t>
+              <a:t>08-06-2022</a:t>
             </a:fld>
             <a:endParaRPr lang="da-DK"/>
           </a:p>
@@ -4293,7 +4293,7 @@
           <a:p>
             <a:fld id="{81442F5B-7348-4CA5-9BDD-09E1E6844899}" type="datetimeFigureOut">
               <a:rPr lang="da-DK" smtClean="0"/>
-              <a:t>06-06-2022</a:t>
+              <a:t>08-06-2022</a:t>
             </a:fld>
             <a:endParaRPr lang="da-DK"/>
           </a:p>
@@ -4534,7 +4534,7 @@
           <a:p>
             <a:fld id="{81442F5B-7348-4CA5-9BDD-09E1E6844899}" type="datetimeFigureOut">
               <a:rPr lang="da-DK" smtClean="0"/>
-              <a:t>06-06-2022</a:t>
+              <a:t>08-06-2022</a:t>
             </a:fld>
             <a:endParaRPr lang="da-DK"/>
           </a:p>
@@ -8476,8 +8476,8 @@
             <a:chExt cx="309960" cy="1442520"/>
           </a:xfrm>
         </p:grpSpPr>
-        <mc:AlternateContent xmlns:mc="http://schemas.openxmlformats.org/markup-compatibility/2006">
-          <mc:Choice xmlns:p14="http://schemas.microsoft.com/office/powerpoint/2010/main" Requires="p14">
+        <mc:AlternateContent xmlns:mc="http://schemas.openxmlformats.org/markup-compatibility/2006" xmlns:p14="http://schemas.microsoft.com/office/powerpoint/2010/main">
+          <mc:Choice Requires="p14">
             <p:contentPart p14:bwMode="auto" r:id="rId7">
               <p14:nvContentPartPr>
                 <p14:cNvPr id="11" name="Håndskrift 10">
@@ -8496,7 +8496,7 @@
               </p14:xfrm>
             </p:contentPart>
           </mc:Choice>
-          <mc:Fallback>
+          <mc:Fallback xmlns="">
             <p:pic>
               <p:nvPicPr>
                 <p:cNvPr id="11" name="Håndskrift 10">
@@ -8527,8 +8527,8 @@
             </p:pic>
           </mc:Fallback>
         </mc:AlternateContent>
-        <mc:AlternateContent xmlns:mc="http://schemas.openxmlformats.org/markup-compatibility/2006">
-          <mc:Choice xmlns:p14="http://schemas.microsoft.com/office/powerpoint/2010/main" Requires="p14">
+        <mc:AlternateContent xmlns:mc="http://schemas.openxmlformats.org/markup-compatibility/2006" xmlns:p14="http://schemas.microsoft.com/office/powerpoint/2010/main">
+          <mc:Choice Requires="p14">
             <p:contentPart p14:bwMode="auto" r:id="rId9">
               <p14:nvContentPartPr>
                 <p14:cNvPr id="12" name="Håndskrift 11">
@@ -8547,7 +8547,7 @@
               </p14:xfrm>
             </p:contentPart>
           </mc:Choice>
-          <mc:Fallback>
+          <mc:Fallback xmlns="">
             <p:pic>
               <p:nvPicPr>
                 <p:cNvPr id="12" name="Håndskrift 11">
@@ -8578,8 +8578,8 @@
             </p:pic>
           </mc:Fallback>
         </mc:AlternateContent>
-        <mc:AlternateContent xmlns:mc="http://schemas.openxmlformats.org/markup-compatibility/2006">
-          <mc:Choice xmlns:p14="http://schemas.microsoft.com/office/powerpoint/2010/main" Requires="p14">
+        <mc:AlternateContent xmlns:mc="http://schemas.openxmlformats.org/markup-compatibility/2006" xmlns:p14="http://schemas.microsoft.com/office/powerpoint/2010/main">
+          <mc:Choice Requires="p14">
             <p:contentPart p14:bwMode="auto" r:id="rId11">
               <p14:nvContentPartPr>
                 <p14:cNvPr id="13" name="Håndskrift 12">
@@ -8598,7 +8598,7 @@
               </p14:xfrm>
             </p:contentPart>
           </mc:Choice>
-          <mc:Fallback>
+          <mc:Fallback xmlns="">
             <p:pic>
               <p:nvPicPr>
                 <p:cNvPr id="13" name="Håndskrift 12">
@@ -8629,8 +8629,8 @@
             </p:pic>
           </mc:Fallback>
         </mc:AlternateContent>
-        <mc:AlternateContent xmlns:mc="http://schemas.openxmlformats.org/markup-compatibility/2006">
-          <mc:Choice xmlns:p14="http://schemas.microsoft.com/office/powerpoint/2010/main" Requires="p14">
+        <mc:AlternateContent xmlns:mc="http://schemas.openxmlformats.org/markup-compatibility/2006" xmlns:p14="http://schemas.microsoft.com/office/powerpoint/2010/main">
+          <mc:Choice Requires="p14">
             <p:contentPart p14:bwMode="auto" r:id="rId13">
               <p14:nvContentPartPr>
                 <p14:cNvPr id="14" name="Håndskrift 13">
@@ -8649,7 +8649,7 @@
               </p14:xfrm>
             </p:contentPart>
           </mc:Choice>
-          <mc:Fallback>
+          <mc:Fallback xmlns="">
             <p:pic>
               <p:nvPicPr>
                 <p:cNvPr id="14" name="Håndskrift 13">
@@ -8806,8 +8806,8 @@
           </a:prstGeom>
         </p:spPr>
       </p:pic>
-      <mc:AlternateContent xmlns:mc="http://schemas.openxmlformats.org/markup-compatibility/2006">
-        <mc:Choice xmlns:p14="http://schemas.microsoft.com/office/powerpoint/2010/main" Requires="p14">
+      <mc:AlternateContent xmlns:mc="http://schemas.openxmlformats.org/markup-compatibility/2006" xmlns:p14="http://schemas.microsoft.com/office/powerpoint/2010/main">
+        <mc:Choice Requires="p14">
           <p:contentPart p14:bwMode="auto" r:id="rId18">
             <p14:nvContentPartPr>
               <p14:cNvPr id="23" name="Håndskrift 22">
@@ -8826,7 +8826,7 @@
             </p14:xfrm>
           </p:contentPart>
         </mc:Choice>
-        <mc:Fallback>
+        <mc:Fallback xmlns="">
           <p:pic>
             <p:nvPicPr>
               <p:cNvPr id="23" name="Håndskrift 22">
@@ -8857,8 +8857,8 @@
           </p:pic>
         </mc:Fallback>
       </mc:AlternateContent>
-      <mc:AlternateContent xmlns:mc="http://schemas.openxmlformats.org/markup-compatibility/2006">
-        <mc:Choice xmlns:p14="http://schemas.microsoft.com/office/powerpoint/2010/main" Requires="p14">
+      <mc:AlternateContent xmlns:mc="http://schemas.openxmlformats.org/markup-compatibility/2006" xmlns:p14="http://schemas.microsoft.com/office/powerpoint/2010/main">
+        <mc:Choice Requires="p14">
           <p:contentPart p14:bwMode="auto" r:id="rId20">
             <p14:nvContentPartPr>
               <p14:cNvPr id="25" name="Håndskrift 24">
@@ -8877,7 +8877,7 @@
             </p14:xfrm>
           </p:contentPart>
         </mc:Choice>
-        <mc:Fallback>
+        <mc:Fallback xmlns="">
           <p:pic>
             <p:nvPicPr>
               <p:cNvPr id="25" name="Håndskrift 24">
@@ -8908,8 +8908,8 @@
           </p:pic>
         </mc:Fallback>
       </mc:AlternateContent>
-      <mc:AlternateContent xmlns:mc="http://schemas.openxmlformats.org/markup-compatibility/2006">
-        <mc:Choice xmlns:p14="http://schemas.microsoft.com/office/powerpoint/2010/main" Requires="p14">
+      <mc:AlternateContent xmlns:mc="http://schemas.openxmlformats.org/markup-compatibility/2006" xmlns:p14="http://schemas.microsoft.com/office/powerpoint/2010/main">
+        <mc:Choice Requires="p14">
           <p:contentPart p14:bwMode="auto" r:id="rId22">
             <p14:nvContentPartPr>
               <p14:cNvPr id="26" name="Håndskrift 25">
@@ -8928,7 +8928,7 @@
             </p14:xfrm>
           </p:contentPart>
         </mc:Choice>
-        <mc:Fallback>
+        <mc:Fallback xmlns="">
           <p:pic>
             <p:nvPicPr>
               <p:cNvPr id="26" name="Håndskrift 25">
@@ -9049,8 +9049,8 @@
           </a:prstGeom>
         </p:spPr>
       </p:pic>
-      <mc:AlternateContent xmlns:mc="http://schemas.openxmlformats.org/markup-compatibility/2006">
-        <mc:Choice xmlns:p14="http://schemas.microsoft.com/office/powerpoint/2010/main" Requires="p14">
+      <mc:AlternateContent xmlns:mc="http://schemas.openxmlformats.org/markup-compatibility/2006" xmlns:p14="http://schemas.microsoft.com/office/powerpoint/2010/main">
+        <mc:Choice Requires="p14">
           <p:contentPart p14:bwMode="auto" r:id="rId27">
             <p14:nvContentPartPr>
               <p14:cNvPr id="33" name="Håndskrift 32">
@@ -9069,7 +9069,7 @@
             </p14:xfrm>
           </p:contentPart>
         </mc:Choice>
-        <mc:Fallback>
+        <mc:Fallback xmlns="">
           <p:pic>
             <p:nvPicPr>
               <p:cNvPr id="33" name="Håndskrift 32">
@@ -9120,8 +9120,8 @@
             <a:chExt cx="972720" cy="286200"/>
           </a:xfrm>
         </p:grpSpPr>
-        <mc:AlternateContent xmlns:mc="http://schemas.openxmlformats.org/markup-compatibility/2006">
-          <mc:Choice xmlns:p14="http://schemas.microsoft.com/office/powerpoint/2010/main" Requires="p14">
+        <mc:AlternateContent xmlns:mc="http://schemas.openxmlformats.org/markup-compatibility/2006" xmlns:p14="http://schemas.microsoft.com/office/powerpoint/2010/main">
+          <mc:Choice Requires="p14">
             <p:contentPart p14:bwMode="auto" r:id="rId29">
               <p14:nvContentPartPr>
                 <p14:cNvPr id="34" name="Håndskrift 33">
@@ -9140,7 +9140,7 @@
               </p14:xfrm>
             </p:contentPart>
           </mc:Choice>
-          <mc:Fallback>
+          <mc:Fallback xmlns="">
             <p:pic>
               <p:nvPicPr>
                 <p:cNvPr id="34" name="Håndskrift 33">
@@ -9171,8 +9171,8 @@
             </p:pic>
           </mc:Fallback>
         </mc:AlternateContent>
-        <mc:AlternateContent xmlns:mc="http://schemas.openxmlformats.org/markup-compatibility/2006">
-          <mc:Choice xmlns:p14="http://schemas.microsoft.com/office/powerpoint/2010/main" Requires="p14">
+        <mc:AlternateContent xmlns:mc="http://schemas.openxmlformats.org/markup-compatibility/2006" xmlns:p14="http://schemas.microsoft.com/office/powerpoint/2010/main">
+          <mc:Choice Requires="p14">
             <p:contentPart p14:bwMode="auto" r:id="rId31">
               <p14:nvContentPartPr>
                 <p14:cNvPr id="35" name="Håndskrift 34">
@@ -9191,7 +9191,7 @@
               </p14:xfrm>
             </p:contentPart>
           </mc:Choice>
-          <mc:Fallback>
+          <mc:Fallback xmlns="">
             <p:pic>
               <p:nvPicPr>
                 <p:cNvPr id="35" name="Håndskrift 34">
@@ -9243,8 +9243,8 @@
             <a:chExt cx="151200" cy="230040"/>
           </a:xfrm>
         </p:grpSpPr>
-        <mc:AlternateContent xmlns:mc="http://schemas.openxmlformats.org/markup-compatibility/2006">
-          <mc:Choice xmlns:p14="http://schemas.microsoft.com/office/powerpoint/2010/main" Requires="p14">
+        <mc:AlternateContent xmlns:mc="http://schemas.openxmlformats.org/markup-compatibility/2006" xmlns:p14="http://schemas.microsoft.com/office/powerpoint/2010/main">
+          <mc:Choice Requires="p14">
             <p:contentPart p14:bwMode="auto" r:id="rId33">
               <p14:nvContentPartPr>
                 <p14:cNvPr id="37" name="Håndskrift 36">
@@ -9263,7 +9263,7 @@
               </p14:xfrm>
             </p:contentPart>
           </mc:Choice>
-          <mc:Fallback>
+          <mc:Fallback xmlns="">
             <p:pic>
               <p:nvPicPr>
                 <p:cNvPr id="37" name="Håndskrift 36">
@@ -9294,8 +9294,8 @@
             </p:pic>
           </mc:Fallback>
         </mc:AlternateContent>
-        <mc:AlternateContent xmlns:mc="http://schemas.openxmlformats.org/markup-compatibility/2006">
-          <mc:Choice xmlns:p14="http://schemas.microsoft.com/office/powerpoint/2010/main" Requires="p14">
+        <mc:AlternateContent xmlns:mc="http://schemas.openxmlformats.org/markup-compatibility/2006" xmlns:p14="http://schemas.microsoft.com/office/powerpoint/2010/main">
+          <mc:Choice Requires="p14">
             <p:contentPart p14:bwMode="auto" r:id="rId35">
               <p14:nvContentPartPr>
                 <p14:cNvPr id="38" name="Håndskrift 37">
@@ -9314,7 +9314,7 @@
               </p14:xfrm>
             </p:contentPart>
           </mc:Choice>
-          <mc:Fallback>
+          <mc:Fallback xmlns="">
             <p:pic>
               <p:nvPicPr>
                 <p:cNvPr id="38" name="Håndskrift 37">
@@ -9366,8 +9366,8 @@
             <a:chExt cx="165600" cy="211320"/>
           </a:xfrm>
         </p:grpSpPr>
-        <mc:AlternateContent xmlns:mc="http://schemas.openxmlformats.org/markup-compatibility/2006">
-          <mc:Choice xmlns:p14="http://schemas.microsoft.com/office/powerpoint/2010/main" Requires="p14">
+        <mc:AlternateContent xmlns:mc="http://schemas.openxmlformats.org/markup-compatibility/2006" xmlns:p14="http://schemas.microsoft.com/office/powerpoint/2010/main">
+          <mc:Choice Requires="p14">
             <p:contentPart p14:bwMode="auto" r:id="rId37">
               <p14:nvContentPartPr>
                 <p14:cNvPr id="40" name="Håndskrift 39">
@@ -9386,7 +9386,7 @@
               </p14:xfrm>
             </p:contentPart>
           </mc:Choice>
-          <mc:Fallback>
+          <mc:Fallback xmlns="">
             <p:pic>
               <p:nvPicPr>
                 <p:cNvPr id="40" name="Håndskrift 39">
@@ -9417,8 +9417,8 @@
             </p:pic>
           </mc:Fallback>
         </mc:AlternateContent>
-        <mc:AlternateContent xmlns:mc="http://schemas.openxmlformats.org/markup-compatibility/2006">
-          <mc:Choice xmlns:p14="http://schemas.microsoft.com/office/powerpoint/2010/main" Requires="p14">
+        <mc:AlternateContent xmlns:mc="http://schemas.openxmlformats.org/markup-compatibility/2006" xmlns:p14="http://schemas.microsoft.com/office/powerpoint/2010/main">
+          <mc:Choice Requires="p14">
             <p:contentPart p14:bwMode="auto" r:id="rId39">
               <p14:nvContentPartPr>
                 <p14:cNvPr id="41" name="Håndskrift 40">
@@ -9437,7 +9437,7 @@
               </p14:xfrm>
             </p:contentPart>
           </mc:Choice>
-          <mc:Fallback>
+          <mc:Fallback xmlns="">
             <p:pic>
               <p:nvPicPr>
                 <p:cNvPr id="41" name="Håndskrift 40">
@@ -9499,8 +9499,8 @@
           </a:prstGeom>
         </p:spPr>
       </p:pic>
-      <mc:AlternateContent xmlns:mc="http://schemas.openxmlformats.org/markup-compatibility/2006">
-        <mc:Choice xmlns:p14="http://schemas.microsoft.com/office/powerpoint/2010/main" Requires="p14">
+      <mc:AlternateContent xmlns:mc="http://schemas.openxmlformats.org/markup-compatibility/2006" xmlns:p14="http://schemas.microsoft.com/office/powerpoint/2010/main">
+        <mc:Choice Requires="p14">
           <p:contentPart p14:bwMode="auto" r:id="rId42">
             <p14:nvContentPartPr>
               <p14:cNvPr id="45" name="Håndskrift 44">
@@ -9519,7 +9519,7 @@
             </p14:xfrm>
           </p:contentPart>
         </mc:Choice>
-        <mc:Fallback>
+        <mc:Fallback xmlns="">
           <p:pic>
             <p:nvPicPr>
               <p:cNvPr id="45" name="Håndskrift 44">
@@ -9570,8 +9570,8 @@
             <a:chExt cx="443520" cy="1214280"/>
           </a:xfrm>
         </p:grpSpPr>
-        <mc:AlternateContent xmlns:mc="http://schemas.openxmlformats.org/markup-compatibility/2006">
-          <mc:Choice xmlns:p14="http://schemas.microsoft.com/office/powerpoint/2010/main" Requires="p14">
+        <mc:AlternateContent xmlns:mc="http://schemas.openxmlformats.org/markup-compatibility/2006" xmlns:p14="http://schemas.microsoft.com/office/powerpoint/2010/main">
+          <mc:Choice Requires="p14">
             <p:contentPart p14:bwMode="auto" r:id="rId44">
               <p14:nvContentPartPr>
                 <p14:cNvPr id="47" name="Håndskrift 46">
@@ -9590,7 +9590,7 @@
               </p14:xfrm>
             </p:contentPart>
           </mc:Choice>
-          <mc:Fallback>
+          <mc:Fallback xmlns="">
             <p:pic>
               <p:nvPicPr>
                 <p:cNvPr id="47" name="Håndskrift 46">
@@ -9621,8 +9621,8 @@
             </p:pic>
           </mc:Fallback>
         </mc:AlternateContent>
-        <mc:AlternateContent xmlns:mc="http://schemas.openxmlformats.org/markup-compatibility/2006">
-          <mc:Choice xmlns:p14="http://schemas.microsoft.com/office/powerpoint/2010/main" Requires="p14">
+        <mc:AlternateContent xmlns:mc="http://schemas.openxmlformats.org/markup-compatibility/2006" xmlns:p14="http://schemas.microsoft.com/office/powerpoint/2010/main">
+          <mc:Choice Requires="p14">
             <p:contentPart p14:bwMode="auto" r:id="rId46">
               <p14:nvContentPartPr>
                 <p14:cNvPr id="48" name="Håndskrift 47">
@@ -9641,7 +9641,7 @@
               </p14:xfrm>
             </p:contentPart>
           </mc:Choice>
-          <mc:Fallback>
+          <mc:Fallback xmlns="">
             <p:pic>
               <p:nvPicPr>
                 <p:cNvPr id="48" name="Håndskrift 47">
@@ -9672,8 +9672,8 @@
             </p:pic>
           </mc:Fallback>
         </mc:AlternateContent>
-        <mc:AlternateContent xmlns:mc="http://schemas.openxmlformats.org/markup-compatibility/2006">
-          <mc:Choice xmlns:p14="http://schemas.microsoft.com/office/powerpoint/2010/main" Requires="p14">
+        <mc:AlternateContent xmlns:mc="http://schemas.openxmlformats.org/markup-compatibility/2006" xmlns:p14="http://schemas.microsoft.com/office/powerpoint/2010/main">
+          <mc:Choice Requires="p14">
             <p:contentPart p14:bwMode="auto" r:id="rId48">
               <p14:nvContentPartPr>
                 <p14:cNvPr id="50" name="Håndskrift 49">
@@ -9692,7 +9692,7 @@
               </p14:xfrm>
             </p:contentPart>
           </mc:Choice>
-          <mc:Fallback>
+          <mc:Fallback xmlns="">
             <p:pic>
               <p:nvPicPr>
                 <p:cNvPr id="50" name="Håndskrift 49">
@@ -9723,8 +9723,8 @@
             </p:pic>
           </mc:Fallback>
         </mc:AlternateContent>
-        <mc:AlternateContent xmlns:mc="http://schemas.openxmlformats.org/markup-compatibility/2006">
-          <mc:Choice xmlns:p14="http://schemas.microsoft.com/office/powerpoint/2010/main" Requires="p14">
+        <mc:AlternateContent xmlns:mc="http://schemas.openxmlformats.org/markup-compatibility/2006" xmlns:p14="http://schemas.microsoft.com/office/powerpoint/2010/main">
+          <mc:Choice Requires="p14">
             <p:contentPart p14:bwMode="auto" r:id="rId50">
               <p14:nvContentPartPr>
                 <p14:cNvPr id="52" name="Håndskrift 51">
@@ -9743,7 +9743,7 @@
               </p14:xfrm>
             </p:contentPart>
           </mc:Choice>
-          <mc:Fallback>
+          <mc:Fallback xmlns="">
             <p:pic>
               <p:nvPicPr>
                 <p:cNvPr id="52" name="Håndskrift 51">
@@ -11091,8 +11091,8 @@
           </a:prstGeom>
         </p:spPr>
       </p:pic>
-      <mc:AlternateContent xmlns:mc="http://schemas.openxmlformats.org/markup-compatibility/2006">
-        <mc:Choice xmlns:p14="http://schemas.microsoft.com/office/powerpoint/2010/main" Requires="p14">
+      <mc:AlternateContent xmlns:mc="http://schemas.openxmlformats.org/markup-compatibility/2006" xmlns:p14="http://schemas.microsoft.com/office/powerpoint/2010/main">
+        <mc:Choice Requires="p14">
           <p:contentPart p14:bwMode="auto" r:id="rId15">
             <p14:nvContentPartPr>
               <p14:cNvPr id="32" name="Håndskrift 31">
@@ -11111,7 +11111,7 @@
             </p14:xfrm>
           </p:contentPart>
         </mc:Choice>
-        <mc:Fallback>
+        <mc:Fallback xmlns="">
           <p:pic>
             <p:nvPicPr>
               <p:cNvPr id="32" name="Håndskrift 31">
@@ -11172,8 +11172,8 @@
           </a:prstGeom>
         </p:spPr>
       </p:pic>
-      <mc:AlternateContent xmlns:mc="http://schemas.openxmlformats.org/markup-compatibility/2006">
-        <mc:Choice xmlns:p14="http://schemas.microsoft.com/office/powerpoint/2010/main" Requires="p14">
+      <mc:AlternateContent xmlns:mc="http://schemas.openxmlformats.org/markup-compatibility/2006" xmlns:p14="http://schemas.microsoft.com/office/powerpoint/2010/main">
+        <mc:Choice Requires="p14">
           <p:contentPart p14:bwMode="auto" r:id="rId18">
             <p14:nvContentPartPr>
               <p14:cNvPr id="9" name="Håndskrift 8">
@@ -11192,7 +11192,7 @@
             </p14:xfrm>
           </p:contentPart>
         </mc:Choice>
-        <mc:Fallback>
+        <mc:Fallback xmlns="">
           <p:pic>
             <p:nvPicPr>
               <p:cNvPr id="9" name="Håndskrift 8">
